--- a/Women and Climate.pptx
+++ b/Women and Climate.pptx
@@ -3840,7 +3840,7 @@
 <file path=ppt/theme/theme1.xml><?xml version="1.0" encoding="utf-8"?>
 <a:theme xmlns:a="http://schemas.openxmlformats.org/drawingml/2006/main" name="Office Theme">
   <a:themeElements>
-    <a:clrScheme name="Green Yellow">
+    <a:clrScheme name="Custom 1">
       <a:dk1>
         <a:sysClr val="windowText" lastClr="000000"/>
       </a:dk1>
@@ -3857,7 +3857,7 @@
         <a:srgbClr val="99CB38"/>
       </a:accent1>
       <a:accent2>
-        <a:srgbClr val="63A537"/>
+        <a:srgbClr val="44CCAA"/>
       </a:accent2>
       <a:accent3>
         <a:srgbClr val="37A76F"/>

--- a/Women and Climate.pptx
+++ b/Women and Climate.pptx
@@ -270,7 +270,7 @@
           <a:p>
             <a:fld id="{5D9E75D4-F1BF-4BD4-A1F5-D964E3EB7FF9}" type="datetimeFigureOut">
               <a:rPr lang="en-US" smtClean="0"/>
-              <a:t>4/12/2024</a:t>
+              <a:t>4/14/2024</a:t>
             </a:fld>
             <a:endParaRPr lang="en-US"/>
           </a:p>
@@ -468,7 +468,7 @@
           <a:p>
             <a:fld id="{5D9E75D4-F1BF-4BD4-A1F5-D964E3EB7FF9}" type="datetimeFigureOut">
               <a:rPr lang="en-US" smtClean="0"/>
-              <a:t>4/12/2024</a:t>
+              <a:t>4/14/2024</a:t>
             </a:fld>
             <a:endParaRPr lang="en-US"/>
           </a:p>
@@ -676,7 +676,7 @@
           <a:p>
             <a:fld id="{5D9E75D4-F1BF-4BD4-A1F5-D964E3EB7FF9}" type="datetimeFigureOut">
               <a:rPr lang="en-US" smtClean="0"/>
-              <a:t>4/12/2024</a:t>
+              <a:t>4/14/2024</a:t>
             </a:fld>
             <a:endParaRPr lang="en-US"/>
           </a:p>
@@ -874,7 +874,7 @@
           <a:p>
             <a:fld id="{5D9E75D4-F1BF-4BD4-A1F5-D964E3EB7FF9}" type="datetimeFigureOut">
               <a:rPr lang="en-US" smtClean="0"/>
-              <a:t>4/12/2024</a:t>
+              <a:t>4/14/2024</a:t>
             </a:fld>
             <a:endParaRPr lang="en-US"/>
           </a:p>
@@ -1149,7 +1149,7 @@
           <a:p>
             <a:fld id="{5D9E75D4-F1BF-4BD4-A1F5-D964E3EB7FF9}" type="datetimeFigureOut">
               <a:rPr lang="en-US" smtClean="0"/>
-              <a:t>4/12/2024</a:t>
+              <a:t>4/14/2024</a:t>
             </a:fld>
             <a:endParaRPr lang="en-US"/>
           </a:p>
@@ -1414,7 +1414,7 @@
           <a:p>
             <a:fld id="{5D9E75D4-F1BF-4BD4-A1F5-D964E3EB7FF9}" type="datetimeFigureOut">
               <a:rPr lang="en-US" smtClean="0"/>
-              <a:t>4/12/2024</a:t>
+              <a:t>4/14/2024</a:t>
             </a:fld>
             <a:endParaRPr lang="en-US"/>
           </a:p>
@@ -1826,7 +1826,7 @@
           <a:p>
             <a:fld id="{5D9E75D4-F1BF-4BD4-A1F5-D964E3EB7FF9}" type="datetimeFigureOut">
               <a:rPr lang="en-US" smtClean="0"/>
-              <a:t>4/12/2024</a:t>
+              <a:t>4/14/2024</a:t>
             </a:fld>
             <a:endParaRPr lang="en-US"/>
           </a:p>
@@ -1967,7 +1967,7 @@
           <a:p>
             <a:fld id="{5D9E75D4-F1BF-4BD4-A1F5-D964E3EB7FF9}" type="datetimeFigureOut">
               <a:rPr lang="en-US" smtClean="0"/>
-              <a:t>4/12/2024</a:t>
+              <a:t>4/14/2024</a:t>
             </a:fld>
             <a:endParaRPr lang="en-US"/>
           </a:p>
@@ -2080,7 +2080,7 @@
           <a:p>
             <a:fld id="{5D9E75D4-F1BF-4BD4-A1F5-D964E3EB7FF9}" type="datetimeFigureOut">
               <a:rPr lang="en-US" smtClean="0"/>
-              <a:t>4/12/2024</a:t>
+              <a:t>4/14/2024</a:t>
             </a:fld>
             <a:endParaRPr lang="en-US"/>
           </a:p>
@@ -2391,7 +2391,7 @@
           <a:p>
             <a:fld id="{5D9E75D4-F1BF-4BD4-A1F5-D964E3EB7FF9}" type="datetimeFigureOut">
               <a:rPr lang="en-US" smtClean="0"/>
-              <a:t>4/12/2024</a:t>
+              <a:t>4/14/2024</a:t>
             </a:fld>
             <a:endParaRPr lang="en-US"/>
           </a:p>
@@ -2679,7 +2679,7 @@
           <a:p>
             <a:fld id="{5D9E75D4-F1BF-4BD4-A1F5-D964E3EB7FF9}" type="datetimeFigureOut">
               <a:rPr lang="en-US" smtClean="0"/>
-              <a:t>4/12/2024</a:t>
+              <a:t>4/14/2024</a:t>
             </a:fld>
             <a:endParaRPr lang="en-US"/>
           </a:p>
@@ -2920,7 +2920,7 @@
           <a:p>
             <a:fld id="{5D9E75D4-F1BF-4BD4-A1F5-D964E3EB7FF9}" type="datetimeFigureOut">
               <a:rPr lang="en-US" smtClean="0"/>
-              <a:t>4/12/2024</a:t>
+              <a:t>4/14/2024</a:t>
             </a:fld>
             <a:endParaRPr lang="en-US"/>
           </a:p>
@@ -4130,8 +4130,8 @@
           </a:prstGeom>
         </p:spPr>
       </p:pic>
-      <mc:AlternateContent xmlns:mc="http://schemas.openxmlformats.org/markup-compatibility/2006">
-        <mc:Choice xmlns:a14="http://schemas.microsoft.com/office/drawing/2010/main" Requires="a14">
+      <mc:AlternateContent xmlns:mc="http://schemas.openxmlformats.org/markup-compatibility/2006" xmlns:a14="http://schemas.microsoft.com/office/drawing/2010/main">
+        <mc:Choice Requires="a14">
           <p:sp>
             <p:nvSpPr>
               <p:cNvPr id="3" name="Content Placeholder 2">
@@ -4265,7 +4265,7 @@
             </p:txBody>
           </p:sp>
         </mc:Choice>
-        <mc:Fallback>
+        <mc:Fallback xmlns="">
           <p:sp>
             <p:nvSpPr>
               <p:cNvPr id="3" name="Content Placeholder 2">
@@ -4794,8 +4794,8 @@
           </a:p>
         </p:txBody>
       </p:sp>
-      <mc:AlternateContent xmlns:mc="http://schemas.openxmlformats.org/markup-compatibility/2006">
-        <mc:Choice xmlns:a14="http://schemas.microsoft.com/office/drawing/2010/main" Requires="a14">
+      <mc:AlternateContent xmlns:mc="http://schemas.openxmlformats.org/markup-compatibility/2006" xmlns:a14="http://schemas.microsoft.com/office/drawing/2010/main">
+        <mc:Choice Requires="a14">
           <p:graphicFrame>
             <p:nvGraphicFramePr>
               <p:cNvPr id="5" name="Table 4">
@@ -6500,7 +6500,7 @@
             </a:graphic>
           </p:graphicFrame>
         </mc:Choice>
-        <mc:Fallback>
+        <mc:Fallback xmlns="">
           <p:graphicFrame>
             <p:nvGraphicFramePr>
               <p:cNvPr id="5" name="Table 4">
@@ -10155,8 +10155,8 @@
           </a:p>
         </p:txBody>
       </p:sp>
-      <mc:AlternateContent xmlns:mc="http://schemas.openxmlformats.org/markup-compatibility/2006">
-        <mc:Choice xmlns:a14="http://schemas.microsoft.com/office/drawing/2010/main" Requires="a14">
+      <mc:AlternateContent xmlns:mc="http://schemas.openxmlformats.org/markup-compatibility/2006" xmlns:a14="http://schemas.microsoft.com/office/drawing/2010/main">
+        <mc:Choice Requires="a14">
           <p:sp>
             <p:nvSpPr>
               <p:cNvPr id="3" name="Content Placeholder 2">
@@ -10520,7 +10520,7 @@
             </p:txBody>
           </p:sp>
         </mc:Choice>
-        <mc:Fallback>
+        <mc:Fallback xmlns="">
           <p:sp>
             <p:nvSpPr>
               <p:cNvPr id="3" name="Content Placeholder 2">
@@ -10618,8 +10618,8 @@
           </a:p>
         </p:txBody>
       </p:sp>
-      <mc:AlternateContent xmlns:mc="http://schemas.openxmlformats.org/markup-compatibility/2006">
-        <mc:Choice xmlns:a14="http://schemas.microsoft.com/office/drawing/2010/main" Requires="a14">
+      <mc:AlternateContent xmlns:mc="http://schemas.openxmlformats.org/markup-compatibility/2006" xmlns:a14="http://schemas.microsoft.com/office/drawing/2010/main">
+        <mc:Choice Requires="a14">
           <p:sp>
             <p:nvSpPr>
               <p:cNvPr id="3" name="Content Placeholder 2">
@@ -12842,7 +12842,7 @@
             </p:txBody>
           </p:sp>
         </mc:Choice>
-        <mc:Fallback>
+        <mc:Fallback xmlns="">
           <p:sp>
             <p:nvSpPr>
               <p:cNvPr id="3" name="Content Placeholder 2">
@@ -13329,12 +13329,6 @@
                         </m:r>
                       </m:sub>
                     </m:sSub>
-                    <m:r>
-                      <a:rPr lang="en-US" sz="1800" b="0" i="1">
-                        <a:latin typeface="Cambria Math" panose="02040503050406030204" pitchFamily="18" charset="0"/>
-                      </a:rPr>
-                      <m:t>′</m:t>
-                    </m:r>
                     <m:sSub>
                       <m:sSubPr>
                         <m:ctrlPr>
@@ -13345,10 +13339,10 @@
                       </m:sSubPr>
                       <m:e>
                         <m:r>
-                          <a:rPr lang="en-US" sz="1800" b="0" i="1">
+                          <a:rPr lang="en-US" sz="1800" b="0" i="1" smtClean="0">
                             <a:latin typeface="Cambria Math" panose="02040503050406030204" pitchFamily="18" charset="0"/>
                           </a:rPr>
-                          <m:t>𝕏</m:t>
+                          <m:t>𝑊</m:t>
                         </m:r>
                       </m:e>
                       <m:sub>
@@ -13358,8 +13352,20 @@
                           </a:rPr>
                           <m:t>𝑐𝑡</m:t>
                         </m:r>
+                        <m:r>
+                          <a:rPr lang="en-US" sz="1800" b="0" i="1" smtClean="0">
+                            <a:latin typeface="Cambria Math" panose="02040503050406030204" pitchFamily="18" charset="0"/>
+                          </a:rPr>
+                          <m:t>−1</m:t>
+                        </m:r>
                       </m:sub>
                     </m:sSub>
+                    <m:r>
+                      <a:rPr lang="en-US" sz="1800" b="0" i="1" smtClean="0">
+                        <a:latin typeface="Cambria Math" panose="02040503050406030204" pitchFamily="18" charset="0"/>
+                      </a:rPr>
+                      <m:t>′</m:t>
+                    </m:r>
                     <m:r>
                       <a:rPr lang="en-US" sz="1800" b="0" i="0">
                         <a:latin typeface="Cambria Math" panose="02040503050406030204" pitchFamily="18" charset="0"/>
@@ -13702,7 +13708,7 @@
                         <m:sSub>
                           <m:sSubPr>
                             <m:ctrlPr>
-                              <a:rPr lang="en-US" sz="1800" b="0" i="0" smtClean="0">
+                              <a:rPr lang="en-US" sz="1800" b="0" i="1" smtClean="0">
                                 <a:latin typeface="Cambria Math" panose="02040503050406030204" pitchFamily="18" charset="0"/>
                               </a:rPr>
                             </m:ctrlPr>
@@ -13857,8 +13863,8 @@
           </a:p>
         </p:txBody>
       </p:sp>
-      <mc:AlternateContent xmlns:mc="http://schemas.openxmlformats.org/markup-compatibility/2006">
-        <mc:Choice xmlns:a14="http://schemas.microsoft.com/office/drawing/2010/main" Requires="a14">
+      <mc:AlternateContent xmlns:mc="http://schemas.openxmlformats.org/markup-compatibility/2006" xmlns:a14="http://schemas.microsoft.com/office/drawing/2010/main">
+        <mc:Choice Requires="a14">
           <p:sp>
             <p:nvSpPr>
               <p:cNvPr id="3" name="Content Placeholder 2">
@@ -14082,7 +14088,7 @@
             </p:txBody>
           </p:sp>
         </mc:Choice>
-        <mc:Fallback>
+        <mc:Fallback xmlns="">
           <p:sp>
             <p:nvSpPr>
               <p:cNvPr id="3" name="Content Placeholder 2">
@@ -14189,8 +14195,8 @@
           </a:p>
         </p:txBody>
       </p:sp>
-      <mc:AlternateContent xmlns:mc="http://schemas.openxmlformats.org/markup-compatibility/2006">
-        <mc:Choice xmlns:a14="http://schemas.microsoft.com/office/drawing/2010/main" Requires="a14">
+      <mc:AlternateContent xmlns:mc="http://schemas.openxmlformats.org/markup-compatibility/2006" xmlns:a14="http://schemas.microsoft.com/office/drawing/2010/main">
+        <mc:Choice Requires="a14">
           <p:sp>
             <p:nvSpPr>
               <p:cNvPr id="3" name="Content Placeholder 2">
@@ -14307,7 +14313,7 @@
             </p:txBody>
           </p:sp>
         </mc:Choice>
-        <mc:Fallback>
+        <mc:Fallback xmlns="">
           <p:sp>
             <p:nvSpPr>
               <p:cNvPr id="3" name="Content Placeholder 2">
@@ -14832,8 +14838,8 @@
           </a:p>
         </p:txBody>
       </p:sp>
-      <mc:AlternateContent xmlns:mc="http://schemas.openxmlformats.org/markup-compatibility/2006">
-        <mc:Choice xmlns:a14="http://schemas.microsoft.com/office/drawing/2010/main" Requires="a14">
+      <mc:AlternateContent xmlns:mc="http://schemas.openxmlformats.org/markup-compatibility/2006" xmlns:a14="http://schemas.microsoft.com/office/drawing/2010/main">
+        <mc:Choice Requires="a14">
           <p:graphicFrame>
             <p:nvGraphicFramePr>
               <p:cNvPr id="5" name="Table 4">
@@ -16529,7 +16535,7 @@
             </a:graphic>
           </p:graphicFrame>
         </mc:Choice>
-        <mc:Fallback>
+        <mc:Fallback xmlns="">
           <p:graphicFrame>
             <p:nvGraphicFramePr>
               <p:cNvPr id="5" name="Table 4">
